--- a/050316_Presentations/nci-5-3.pptx
+++ b/050316_Presentations/nci-5-3.pptx
@@ -4458,7 +4458,7 @@
         <p:spPr>
           <a:xfrm>
             <a:off x="1143000" y="5105400"/>
-            <a:ext cx="5055295" cy="369332"/>
+            <a:ext cx="6620595" cy="646331"/>
           </a:xfrm>
           <a:prstGeom prst="rect">
             <a:avLst/>
@@ -4514,6 +4514,17 @@
             <a:r>
               <a:rPr lang="en-US" dirty="0" err="1" smtClean="0"/>
               <a:t>ms</a:t>
+            </a:r>
+            <a:endParaRPr lang="en-US" dirty="0" smtClean="0"/>
+          </a:p>
+          <a:p>
+            <a:pPr marL="285750" indent="-285750">
+              <a:buFont typeface="Arial" panose="020B0604020202020204" pitchFamily="34" charset="0"/>
+              <a:buChar char="•"/>
+            </a:pPr>
+            <a:r>
+              <a:rPr lang="en-US" dirty="0" smtClean="0"/>
+              <a:t>“Cache”: parse invalid cast opcode for cast from “i32” to “double”</a:t>
             </a:r>
             <a:endParaRPr lang="en-US" dirty="0"/>
           </a:p>
